--- a/labs/Duque-Exercise/Duque_HR_HRV_90-days-intro.pptx
+++ b/labs/Duque-Exercise/Duque_HR_HRV_90-days-intro.pptx
@@ -6634,7 +6634,17 @@
           <a:p>
             <a:r>
               <a:rPr lang="en-US" sz="1600" dirty="0"/>
-              <a:t>Video presentation:</a:t>
+              <a:t>Video presentation: </a:t>
+            </a:r>
+            <a:r>
+              <a:rPr lang="en-US" sz="1600" dirty="0">
+                <a:hlinkClick r:id="rId5"/>
+              </a:rPr>
+              <a:t>https://drive.google.com/file/d/1jaiEV2PssI8UMKxvMHOj7RkMWqcBlYT6/view?usp=sharing</a:t>
+            </a:r>
+            <a:r>
+              <a:rPr lang="en-US" sz="1600" dirty="0"/>
+              <a:t> </a:t>
             </a:r>
           </a:p>
           <a:p>
@@ -6647,7 +6657,17 @@
             </a:r>
             <a:r>
               <a:rPr lang="en-US" sz="1600"/>
-              <a:t>Notebook:</a:t>
+              <a:t>Notebook: </a:t>
+            </a:r>
+            <a:r>
+              <a:rPr lang="en-US" sz="1600">
+                <a:hlinkClick r:id="rId6"/>
+              </a:rPr>
+              <a:t>https://drive.google.com/file/d/15mAcd1Ac8XIEhCuOcphAe0HiPSdV_O2P/view?usp=drive_link</a:t>
+            </a:r>
+            <a:r>
+              <a:rPr lang="en-US" sz="1600"/>
+              <a:t> </a:t>
             </a:r>
             <a:endParaRPr lang="en-US" sz="1600" dirty="0"/>
           </a:p>
